--- a/shell/presentations/02_git1.pptx
+++ b/shell/presentations/02_git1.pptx
@@ -267,7 +267,7 @@
             <a:fld id="{17F80633-BAA2-0049-BDEC-E483C21777A6}" type="datetimeFigureOut">
               <a:rPr lang="en-GB"/>
               <a:pPr/>
-              <a:t>03/10/2018</a:t>
+              <a:t>12/10/2018</a:t>
             </a:fld>
             <a:endParaRPr lang="en-GB"/>
           </a:p>
@@ -1857,7 +1857,7 @@
             <a:fld id="{EC40E7FB-B30A-A942-A21D-EE0E54040989}" type="datetimeFigureOut">
               <a:rPr lang="en-GB" smtClean="0"/>
               <a:pPr/>
-              <a:t>03/10/2018</a:t>
+              <a:t>12/10/2018</a:t>
             </a:fld>
             <a:endParaRPr lang="en-GB"/>
           </a:p>
@@ -2084,7 +2084,7 @@
             <a:fld id="{EC40E7FB-B30A-A942-A21D-EE0E54040989}" type="datetimeFigureOut">
               <a:rPr lang="en-GB" smtClean="0"/>
               <a:pPr/>
-              <a:t>03/10/2018</a:t>
+              <a:t>12/10/2018</a:t>
             </a:fld>
             <a:endParaRPr lang="en-GB"/>
           </a:p>
@@ -5729,7 +5729,7 @@
             <a:fld id="{F967FF78-FFF3-D94C-8CB8-21E3487233EA}" type="datetimeFigureOut">
               <a:rPr lang="en-GB" smtClean="0"/>
               <a:pPr/>
-              <a:t>03/10/2018</a:t>
+              <a:t>12/10/2018</a:t>
             </a:fld>
             <a:endParaRPr lang="en-GB"/>
           </a:p>
@@ -6529,8 +6529,17 @@
               <a:rPr lang="en-GB" sz="1400" dirty="0">
                 <a:latin typeface="+mn-lt"/>
               </a:rPr>
-              <a:t> Da Costa, Wendy Garland, Alan Iwi and Matt Pritchard.</a:t>
-            </a:r>
+              <a:t> Da Costa, Wendy Garland, Alan </a:t>
+            </a:r>
+            <a:r>
+              <a:rPr lang="en-GB" sz="1400" dirty="0" smtClean="0">
+                <a:latin typeface="+mn-lt"/>
+              </a:rPr>
+              <a:t>Iwi, Matt Pritchard and Tommy Godfrey.</a:t>
+            </a:r>
+            <a:endParaRPr lang="en-GB" sz="1400" dirty="0">
+              <a:latin typeface="+mn-lt"/>
+            </a:endParaRPr>
           </a:p>
         </p:txBody>
       </p:sp>
@@ -8812,8 +8821,8 @@
               <a:t>Now it's visible on </a:t>
             </a:r>
             <a:r>
-              <a:rPr lang="en-US" dirty="0" err="1" smtClean="0"/>
-              <a:t>github</a:t>
+              <a:rPr lang="en-US" dirty="0"/>
+              <a:t>GitHub</a:t>
             </a:r>
             <a:endParaRPr lang="en-US" dirty="0"/>
           </a:p>
@@ -8874,12 +8883,12 @@
               <a:t>There is already a copy of the course materials on your laptop from a public </a:t>
             </a:r>
             <a:r>
-              <a:rPr lang="en-US" dirty="0" err="1" smtClean="0"/>
-              <a:t>github</a:t>
+              <a:rPr lang="en-US" dirty="0"/>
+              <a:t>GitHub </a:t>
             </a:r>
             <a:r>
               <a:rPr lang="en-US" dirty="0" smtClean="0"/>
-              <a:t> repository. </a:t>
+              <a:t>repository. </a:t>
             </a:r>
           </a:p>
           <a:p>
@@ -8888,12 +8897,12 @@
               <a:t>You are setup on </a:t>
             </a:r>
             <a:r>
-              <a:rPr lang="en-US" dirty="0" err="1" smtClean="0"/>
-              <a:t>Github</a:t>
-            </a:r>
-            <a:r>
               <a:rPr lang="en-US" dirty="0" smtClean="0"/>
-              <a:t> for use latter in the course.</a:t>
+              <a:t>GitHub </a:t>
+            </a:r>
+            <a:r>
+              <a:rPr lang="en-US" dirty="0" smtClean="0"/>
+              <a:t>for use latter in the course.</a:t>
             </a:r>
           </a:p>
           <a:p>
@@ -10555,12 +10564,7 @@
               <a:t> and </a:t>
             </a:r>
             <a:r>
-              <a:rPr lang="en-US" sz="3600" dirty="0" err="1">
-                <a:solidFill>
-                  <a:srgbClr val="000000"/>
-                </a:solidFill>
-                <a:latin typeface="+mn-lt"/>
-              </a:rPr>
+              <a:rPr lang="en-US" sz="3600" dirty="0"/>
               <a:t>GitHub</a:t>
             </a:r>
             <a:endParaRPr lang="en-US" sz="3600" dirty="0">
